--- a/予選資料/HackUinOsaka予選資料.pptx
+++ b/予選資料/HackUinOsaka予選資料.pptx
@@ -112,6 +112,11 @@
       </a:defRPr>
     </a:lvl9pPr>
   </p:defaultTextStyle>
+  <p:extLst>
+    <p:ext uri="{EFAFB233-063F-42B5-8137-9DF3F51BA10A}">
+      <p15:sldGuideLst xmlns:p15="http://schemas.microsoft.com/office/powerpoint/2012/main"/>
+    </p:ext>
+  </p:extLst>
 </p:presentation>
 </file>
 
@@ -2723,7 +2728,7 @@
           <a:lstStyle/>
           <a:p>
             <a:r>
-              <a:rPr lang="ja-JP" altLang="en-US"/>
+              <a:rPr lang="ja-JP" altLang="en-US" dirty="0"/>
               <a:t>マスター タイトルの書式設定</a:t>
             </a:r>
             <a:endParaRPr lang="en-US" dirty="0"/>
@@ -2757,67 +2762,67 @@
           <a:p>
             <a:pPr lvl="0"/>
             <a:r>
-              <a:rPr lang="ja-JP" altLang="en-US"/>
+              <a:rPr lang="ja-JP" altLang="en-US" dirty="0"/>
               <a:t>マスター テキストの書式設定</a:t>
             </a:r>
           </a:p>
           <a:p>
             <a:pPr lvl="1"/>
             <a:r>
-              <a:rPr lang="ja-JP" altLang="en-US"/>
+              <a:rPr lang="ja-JP" altLang="en-US" dirty="0"/>
               <a:t>第 </a:t>
             </a:r>
             <a:r>
-              <a:rPr lang="en-US" altLang="ja-JP"/>
+              <a:rPr lang="en-US" altLang="ja-JP" dirty="0"/>
               <a:t>2 </a:t>
             </a:r>
             <a:r>
-              <a:rPr lang="ja-JP" altLang="en-US"/>
+              <a:rPr lang="ja-JP" altLang="en-US" dirty="0"/>
               <a:t>レベル</a:t>
             </a:r>
           </a:p>
           <a:p>
             <a:pPr lvl="2"/>
             <a:r>
-              <a:rPr lang="ja-JP" altLang="en-US"/>
+              <a:rPr lang="ja-JP" altLang="en-US" dirty="0"/>
               <a:t>第 </a:t>
             </a:r>
             <a:r>
-              <a:rPr lang="en-US" altLang="ja-JP"/>
+              <a:rPr lang="en-US" altLang="ja-JP" dirty="0"/>
               <a:t>3 </a:t>
             </a:r>
             <a:r>
-              <a:rPr lang="ja-JP" altLang="en-US"/>
+              <a:rPr lang="ja-JP" altLang="en-US" dirty="0"/>
               <a:t>レベル</a:t>
             </a:r>
           </a:p>
           <a:p>
             <a:pPr lvl="3"/>
             <a:r>
-              <a:rPr lang="ja-JP" altLang="en-US"/>
+              <a:rPr lang="ja-JP" altLang="en-US" dirty="0"/>
               <a:t>第 </a:t>
             </a:r>
             <a:r>
-              <a:rPr lang="en-US" altLang="ja-JP"/>
+              <a:rPr lang="en-US" altLang="ja-JP" dirty="0"/>
               <a:t>4 </a:t>
             </a:r>
             <a:r>
-              <a:rPr lang="ja-JP" altLang="en-US"/>
+              <a:rPr lang="ja-JP" altLang="en-US" dirty="0"/>
               <a:t>レベル</a:t>
             </a:r>
           </a:p>
           <a:p>
             <a:pPr lvl="4"/>
             <a:r>
-              <a:rPr lang="ja-JP" altLang="en-US"/>
+              <a:rPr lang="ja-JP" altLang="en-US" dirty="0"/>
               <a:t>第 </a:t>
             </a:r>
             <a:r>
-              <a:rPr lang="en-US" altLang="ja-JP"/>
+              <a:rPr lang="en-US" altLang="ja-JP" dirty="0"/>
               <a:t>5 </a:t>
             </a:r>
             <a:r>
-              <a:rPr lang="ja-JP" altLang="en-US"/>
+              <a:rPr lang="ja-JP" altLang="en-US" dirty="0"/>
               <a:t>レベル</a:t>
             </a:r>
             <a:endParaRPr lang="en-US" dirty="0"/>
@@ -2853,15 +2858,17 @@
                     <a:tint val="75000"/>
                   </a:schemeClr>
                 </a:solidFill>
+                <a:ea typeface="游ゴシック Light" panose="020B0300000000000000" pitchFamily="50" charset="-128"/>
               </a:defRPr>
             </a:lvl1pPr>
           </a:lstStyle>
           <a:p>
             <a:fld id="{EAE08A9F-99AC-4B7B-908F-9966EBE4D91E}" type="datetimeFigureOut">
               <a:rPr kumimoji="1" lang="ja-JP" altLang="en-US" smtClean="0"/>
+              <a:pPr/>
               <a:t>2018/7/12</a:t>
             </a:fld>
-            <a:endParaRPr kumimoji="1" lang="ja-JP" altLang="en-US"/>
+            <a:endParaRPr kumimoji="1" lang="ja-JP" altLang="en-US" dirty="0"/>
           </a:p>
         </p:txBody>
       </p:sp>
@@ -2894,11 +2901,12 @@
                     <a:tint val="75000"/>
                   </a:schemeClr>
                 </a:solidFill>
+                <a:ea typeface="游ゴシック Light" panose="020B0300000000000000" pitchFamily="50" charset="-128"/>
               </a:defRPr>
             </a:lvl1pPr>
           </a:lstStyle>
           <a:p>
-            <a:endParaRPr kumimoji="1" lang="ja-JP" altLang="en-US"/>
+            <a:endParaRPr kumimoji="1" lang="ja-JP" altLang="en-US" dirty="0"/>
           </a:p>
         </p:txBody>
       </p:sp>
@@ -2931,15 +2939,17 @@
                     <a:tint val="75000"/>
                   </a:schemeClr>
                 </a:solidFill>
+                <a:ea typeface="游ゴシック Light" panose="020B0300000000000000" pitchFamily="50" charset="-128"/>
               </a:defRPr>
             </a:lvl1pPr>
           </a:lstStyle>
           <a:p>
             <a:fld id="{3E8950E0-07B7-4744-AC6A-5280C5D12359}" type="slidenum">
               <a:rPr kumimoji="1" lang="ja-JP" altLang="en-US" smtClean="0"/>
+              <a:pPr/>
               <a:t>‹#›</a:t>
             </a:fld>
-            <a:endParaRPr kumimoji="1" lang="ja-JP" altLang="en-US"/>
+            <a:endParaRPr kumimoji="1" lang="ja-JP" altLang="en-US" dirty="0"/>
           </a:p>
         </p:txBody>
       </p:sp>
@@ -2979,7 +2989,7 @@
             <a:schemeClr val="tx1"/>
           </a:solidFill>
           <a:latin typeface="+mj-lt"/>
-          <a:ea typeface="+mj-ea"/>
+          <a:ea typeface="游明朝 Light" panose="02020300000000000000" pitchFamily="18" charset="-128"/>
           <a:cs typeface="+mj-cs"/>
         </a:defRPr>
       </a:lvl1pPr>
@@ -2999,7 +3009,7 @@
             <a:schemeClr val="tx1"/>
           </a:solidFill>
           <a:latin typeface="+mn-lt"/>
-          <a:ea typeface="+mn-ea"/>
+          <a:ea typeface="游ゴシック Light" panose="020B0300000000000000" pitchFamily="50" charset="-128"/>
           <a:cs typeface="+mn-cs"/>
         </a:defRPr>
       </a:lvl1pPr>
@@ -3017,7 +3027,7 @@
             <a:schemeClr val="tx1"/>
           </a:solidFill>
           <a:latin typeface="+mn-lt"/>
-          <a:ea typeface="+mn-ea"/>
+          <a:ea typeface="游ゴシック Light" panose="020B0300000000000000" pitchFamily="50" charset="-128"/>
           <a:cs typeface="+mn-cs"/>
         </a:defRPr>
       </a:lvl2pPr>
@@ -3035,7 +3045,7 @@
             <a:schemeClr val="tx1"/>
           </a:solidFill>
           <a:latin typeface="+mn-lt"/>
-          <a:ea typeface="+mn-ea"/>
+          <a:ea typeface="游ゴシック Light" panose="020B0300000000000000" pitchFamily="50" charset="-128"/>
           <a:cs typeface="+mn-cs"/>
         </a:defRPr>
       </a:lvl3pPr>
@@ -3053,7 +3063,7 @@
             <a:schemeClr val="tx1"/>
           </a:solidFill>
           <a:latin typeface="+mn-lt"/>
-          <a:ea typeface="+mn-ea"/>
+          <a:ea typeface="游ゴシック Light" panose="020B0300000000000000" pitchFamily="50" charset="-128"/>
           <a:cs typeface="+mn-cs"/>
         </a:defRPr>
       </a:lvl4pPr>
@@ -3071,7 +3081,7 @@
             <a:schemeClr val="tx1"/>
           </a:solidFill>
           <a:latin typeface="+mn-lt"/>
-          <a:ea typeface="+mn-ea"/>
+          <a:ea typeface="游ゴシック Light" panose="020B0300000000000000" pitchFamily="50" charset="-128"/>
           <a:cs typeface="+mn-cs"/>
         </a:defRPr>
       </a:lvl5pPr>
@@ -3289,7 +3299,6 @@
               <a:rPr lang="ja-JP" altLang="en-US" dirty="0"/>
               <a:t>千羽胡蝶</a:t>
             </a:r>
-            <a:endParaRPr kumimoji="1" lang="ja-JP" altLang="en-US" dirty="0"/>
           </a:p>
         </p:txBody>
       </p:sp>
@@ -3355,7 +3364,9 @@
           <a:lstStyle/>
           <a:p>
             <a:r>
-              <a:rPr kumimoji="1" lang="ja-JP" altLang="en-US" dirty="0"/>
+              <a:rPr kumimoji="1" lang="ja-JP" altLang="en-US" dirty="0">
+                <a:ea typeface="游ゴシック Light" panose="020B0300000000000000" pitchFamily="50" charset="-128"/>
+              </a:rPr>
               <a:t>システムの大まかな説明をここに</a:t>
             </a:r>
           </a:p>
@@ -3439,7 +3450,9 @@
           <a:lstStyle/>
           <a:p>
             <a:pPr algn="ctr"/>
-            <a:endParaRPr kumimoji="1" lang="ja-JP" altLang="en-US"/>
+            <a:endParaRPr kumimoji="1" lang="ja-JP" altLang="en-US" dirty="0">
+              <a:ea typeface="游ゴシック Light" panose="020B0300000000000000" pitchFamily="50" charset="-128"/>
+            </a:endParaRPr>
           </a:p>
         </p:txBody>
       </p:sp>
@@ -3592,7 +3605,9 @@
           <a:lstStyle/>
           <a:p>
             <a:pPr algn="ctr"/>
-            <a:endParaRPr kumimoji="1" lang="ja-JP" altLang="en-US" dirty="0"/>
+            <a:endParaRPr kumimoji="1" lang="ja-JP" altLang="en-US" dirty="0">
+              <a:ea typeface="游ゴシック Light" panose="020B0300000000000000" pitchFamily="50" charset="-128"/>
+            </a:endParaRPr>
           </a:p>
         </p:txBody>
       </p:sp>
@@ -3625,7 +3640,10 @@
           <a:lstStyle/>
           <a:p>
             <a:r>
-              <a:rPr kumimoji="1" lang="ja-JP" altLang="en-US" sz="6000" dirty="0"/>
+              <a:rPr kumimoji="1" lang="ja-JP" altLang="en-US" sz="6000" dirty="0">
+                <a:latin typeface="游明朝 Light" panose="02020300000000000000" pitchFamily="18" charset="-128"/>
+                <a:ea typeface="游明朝 Light" panose="02020300000000000000" pitchFamily="18" charset="-128"/>
+              </a:rPr>
               <a:t>「千羽胡蝶」の概要</a:t>
             </a:r>
           </a:p>
@@ -3776,7 +3794,9 @@
           <a:lstStyle/>
           <a:p>
             <a:pPr algn="ctr"/>
-            <a:endParaRPr kumimoji="1" lang="ja-JP" altLang="en-US"/>
+            <a:endParaRPr kumimoji="1" lang="ja-JP" altLang="en-US" dirty="0">
+              <a:ea typeface="游ゴシック Light" panose="020B0300000000000000" pitchFamily="50" charset="-128"/>
+            </a:endParaRPr>
           </a:p>
         </p:txBody>
       </p:sp>
@@ -3922,7 +3942,9 @@
           <a:lstStyle/>
           <a:p>
             <a:pPr algn="ctr"/>
-            <a:endParaRPr kumimoji="1" lang="ja-JP" altLang="en-US"/>
+            <a:endParaRPr kumimoji="1" lang="ja-JP" altLang="en-US" dirty="0">
+              <a:ea typeface="游ゴシック Light" panose="020B0300000000000000" pitchFamily="50" charset="-128"/>
+            </a:endParaRPr>
           </a:p>
         </p:txBody>
       </p:sp>
@@ -4153,7 +4175,9 @@
           <a:lstStyle/>
           <a:p>
             <a:pPr algn="ctr"/>
-            <a:endParaRPr kumimoji="1" lang="ja-JP" altLang="en-US"/>
+            <a:endParaRPr kumimoji="1" lang="ja-JP" altLang="en-US" dirty="0">
+              <a:ea typeface="游ゴシック Light" panose="020B0300000000000000" pitchFamily="50" charset="-128"/>
+            </a:endParaRPr>
           </a:p>
         </p:txBody>
       </p:sp>
@@ -4378,7 +4402,9 @@
           <a:lstStyle/>
           <a:p>
             <a:pPr algn="ctr"/>
-            <a:endParaRPr kumimoji="1" lang="ja-JP" altLang="en-US"/>
+            <a:endParaRPr kumimoji="1" lang="ja-JP" altLang="en-US" dirty="0">
+              <a:ea typeface="游ゴシック Light" panose="020B0300000000000000" pitchFamily="50" charset="-128"/>
+            </a:endParaRPr>
           </a:p>
         </p:txBody>
       </p:sp>
@@ -4567,7 +4593,9 @@
           <a:lstStyle/>
           <a:p>
             <a:pPr algn="ctr"/>
-            <a:endParaRPr kumimoji="1" lang="ja-JP" altLang="en-US"/>
+            <a:endParaRPr kumimoji="1" lang="ja-JP" altLang="en-US" dirty="0">
+              <a:ea typeface="游ゴシック Light" panose="020B0300000000000000" pitchFamily="50" charset="-128"/>
+            </a:endParaRPr>
           </a:p>
         </p:txBody>
       </p:sp>
@@ -4741,7 +4769,9 @@
           <a:lstStyle/>
           <a:p>
             <a:pPr algn="ctr"/>
-            <a:endParaRPr kumimoji="1" lang="ja-JP" altLang="en-US"/>
+            <a:endParaRPr kumimoji="1" lang="ja-JP" altLang="en-US" dirty="0">
+              <a:ea typeface="游ゴシック Light" panose="020B0300000000000000" pitchFamily="50" charset="-128"/>
+            </a:endParaRPr>
           </a:p>
         </p:txBody>
       </p:sp>

--- a/予選資料/HackUinOsaka予選資料.pptx
+++ b/予選資料/HackUinOsaka予選資料.pptx
@@ -4826,114 +4826,464 @@
             <p:ph idx="1"/>
           </p:nvPr>
         </p:nvSpPr>
-        <p:spPr/>
+        <p:spPr>
+          <a:xfrm>
+            <a:off x="838199" y="1825625"/>
+            <a:ext cx="5139268" cy="4778375"/>
+          </a:xfrm>
+        </p:spPr>
         <p:txBody>
           <a:bodyPr>
-            <a:normAutofit fontScale="77500" lnSpcReduction="20000"/>
+            <a:normAutofit/>
           </a:bodyPr>
           <a:lstStyle/>
           <a:p>
-            <a:r>
-              <a:rPr lang="en-US" altLang="ja-JP" dirty="0"/>
+            <a:pPr marL="0" indent="0">
+              <a:buNone/>
+            </a:pPr>
+            <a:r>
+              <a:rPr lang="ja-JP" altLang="en-US" b="1" dirty="0">
+                <a:latin typeface="游明朝 Light" panose="02020300000000000000" pitchFamily="18" charset="-128"/>
+                <a:ea typeface="游明朝 Light" panose="02020300000000000000" pitchFamily="18" charset="-128"/>
+              </a:rPr>
+              <a:t>開発</a:t>
+            </a:r>
+            <a:r>
+              <a:rPr lang="en-US" altLang="ja-JP" b="1" dirty="0">
+                <a:latin typeface="游明朝 Light" panose="02020300000000000000" pitchFamily="18" charset="-128"/>
+                <a:ea typeface="游明朝 Light" panose="02020300000000000000" pitchFamily="18" charset="-128"/>
+              </a:rPr>
               <a:t>OS</a:t>
             </a:r>
           </a:p>
           <a:p>
-            <a:pPr lvl="1"/>
-            <a:r>
-              <a:rPr lang="en-US" altLang="ja-JP" dirty="0"/>
-              <a:t>Windows</a:t>
-            </a:r>
-            <a:r>
-              <a:rPr lang="ja-JP" altLang="en-US" dirty="0"/>
-              <a:t>１０</a:t>
-            </a:r>
-          </a:p>
-          <a:p>
-            <a:pPr lvl="1"/>
-            <a:r>
-              <a:rPr lang="en-US" altLang="ja-JP" dirty="0"/>
-              <a:t>macOS 10.13</a:t>
-            </a:r>
-          </a:p>
-          <a:p>
-            <a:r>
-              <a:rPr lang="en-US" altLang="ja-JP" dirty="0"/>
+            <a:pPr marL="0" indent="0">
+              <a:buNone/>
+            </a:pPr>
+            <a:r>
+              <a:rPr lang="ja-JP" altLang="en-US" sz="2600" dirty="0">
+                <a:latin typeface="游明朝 Light" panose="02020300000000000000" pitchFamily="18" charset="-128"/>
+                <a:ea typeface="游明朝 Light" panose="02020300000000000000" pitchFamily="18" charset="-128"/>
+              </a:rPr>
+              <a:t>・</a:t>
+            </a:r>
+            <a:r>
+              <a:rPr lang="en-US" altLang="ja-JP" sz="2000" dirty="0">
+                <a:latin typeface="游明朝 Light" panose="02020300000000000000" pitchFamily="18" charset="-128"/>
+                <a:ea typeface="游明朝 Light" panose="02020300000000000000" pitchFamily="18" charset="-128"/>
+              </a:rPr>
+              <a:t>Windows 10</a:t>
+            </a:r>
+            <a:endParaRPr lang="en-US" altLang="ja-JP" sz="2600" dirty="0">
+              <a:latin typeface="游明朝 Light" panose="02020300000000000000" pitchFamily="18" charset="-128"/>
+              <a:ea typeface="游明朝 Light" panose="02020300000000000000" pitchFamily="18" charset="-128"/>
+            </a:endParaRPr>
+          </a:p>
+          <a:p>
+            <a:pPr marL="0" indent="0">
+              <a:buNone/>
+            </a:pPr>
+            <a:r>
+              <a:rPr lang="ja-JP" altLang="en-US" b="1" dirty="0">
+                <a:latin typeface="游明朝 Light" panose="02020300000000000000" pitchFamily="18" charset="-128"/>
+                <a:ea typeface="游明朝 Light" panose="02020300000000000000" pitchFamily="18" charset="-128"/>
+              </a:rPr>
+              <a:t>使用ソフト</a:t>
+            </a:r>
+            <a:endParaRPr lang="en-US" altLang="ja-JP" b="1" dirty="0">
+              <a:latin typeface="游明朝 Light" panose="02020300000000000000" pitchFamily="18" charset="-128"/>
+              <a:ea typeface="游明朝 Light" panose="02020300000000000000" pitchFamily="18" charset="-128"/>
+            </a:endParaRPr>
+          </a:p>
+          <a:p>
+            <a:pPr marL="0" indent="0">
+              <a:buNone/>
+            </a:pPr>
+            <a:r>
+              <a:rPr lang="ja-JP" altLang="en-US" sz="2000" dirty="0">
+                <a:latin typeface="游明朝 Light" panose="02020300000000000000" pitchFamily="18" charset="-128"/>
+                <a:ea typeface="游明朝 Light" panose="02020300000000000000" pitchFamily="18" charset="-128"/>
+              </a:rPr>
+              <a:t>・</a:t>
+            </a:r>
+            <a:r>
+              <a:rPr lang="en-US" altLang="ja-JP" sz="2000" dirty="0">
+                <a:latin typeface="游明朝 Light" panose="02020300000000000000" pitchFamily="18" charset="-128"/>
+                <a:ea typeface="游明朝 Light" panose="02020300000000000000" pitchFamily="18" charset="-128"/>
+              </a:rPr>
               <a:t>Unity</a:t>
             </a:r>
           </a:p>
           <a:p>
-            <a:pPr lvl="1"/>
-            <a:r>
-              <a:rPr lang="en-US" altLang="ja-JP" dirty="0"/>
-              <a:t>C#</a:t>
-            </a:r>
-          </a:p>
-          <a:p>
-            <a:pPr lvl="1"/>
-            <a:r>
-              <a:rPr lang="en-US" altLang="ja-JP" dirty="0"/>
-              <a:t>C++</a:t>
-            </a:r>
-          </a:p>
-          <a:p>
-            <a:pPr lvl="1"/>
-            <a:r>
-              <a:rPr lang="en-US" altLang="ja-JP" dirty="0"/>
-              <a:t>JavaScript</a:t>
-            </a:r>
-          </a:p>
-          <a:p>
-            <a:pPr lvl="1"/>
-            <a:r>
-              <a:rPr lang="en-US" altLang="ja-JP" dirty="0"/>
-              <a:t>OpenCV</a:t>
-            </a:r>
-          </a:p>
-          <a:p>
-            <a:pPr lvl="1"/>
-            <a:r>
-              <a:rPr lang="en-US" altLang="ja-JP" dirty="0"/>
-              <a:t>Processing</a:t>
-            </a:r>
-          </a:p>
-          <a:p>
-            <a:pPr lvl="1"/>
-            <a:r>
-              <a:rPr lang="en-US" altLang="ja-JP" dirty="0"/>
-              <a:t>WebGL</a:t>
-            </a:r>
-          </a:p>
-          <a:p>
-            <a:r>
-              <a:rPr lang="en-US" altLang="ja-JP" dirty="0" err="1"/>
+            <a:pPr marL="0" indent="0">
+              <a:buNone/>
+            </a:pPr>
+            <a:r>
+              <a:rPr lang="ja-JP" altLang="en-US" sz="2000" dirty="0">
+                <a:latin typeface="游明朝 Light" panose="02020300000000000000" pitchFamily="18" charset="-128"/>
+                <a:ea typeface="游明朝 Light" panose="02020300000000000000" pitchFamily="18" charset="-128"/>
+              </a:rPr>
+              <a:t>　</a:t>
+            </a:r>
+            <a:r>
+              <a:rPr lang="en-US" altLang="ja-JP" sz="2000" dirty="0">
+                <a:latin typeface="游明朝 Light" panose="02020300000000000000" pitchFamily="18" charset="-128"/>
+                <a:ea typeface="游明朝 Light" panose="02020300000000000000" pitchFamily="18" charset="-128"/>
+              </a:rPr>
+              <a:t>-&gt; WebGL</a:t>
+            </a:r>
+          </a:p>
+          <a:p>
+            <a:pPr marL="0" indent="0">
+              <a:buNone/>
+            </a:pPr>
+            <a:r>
+              <a:rPr lang="ja-JP" altLang="en-US" sz="2000" dirty="0">
+                <a:latin typeface="游明朝 Light" panose="02020300000000000000" pitchFamily="18" charset="-128"/>
+                <a:ea typeface="游明朝 Light" panose="02020300000000000000" pitchFamily="18" charset="-128"/>
+              </a:rPr>
+              <a:t>　</a:t>
+            </a:r>
+            <a:r>
+              <a:rPr lang="en-US" altLang="ja-JP" sz="2000" dirty="0">
+                <a:latin typeface="游明朝 Light" panose="02020300000000000000" pitchFamily="18" charset="-128"/>
+                <a:ea typeface="游明朝 Light" panose="02020300000000000000" pitchFamily="18" charset="-128"/>
+              </a:rPr>
+              <a:t>-&gt; Processing</a:t>
+            </a:r>
+          </a:p>
+          <a:p>
+            <a:pPr marL="0" indent="0">
+              <a:buNone/>
+            </a:pPr>
+            <a:r>
+              <a:rPr lang="ja-JP" altLang="en-US" sz="2000" dirty="0">
+                <a:latin typeface="游明朝 Light" panose="02020300000000000000" pitchFamily="18" charset="-128"/>
+                <a:ea typeface="游明朝 Light" panose="02020300000000000000" pitchFamily="18" charset="-128"/>
+              </a:rPr>
+              <a:t>・</a:t>
+            </a:r>
+            <a:r>
+              <a:rPr lang="en-US" altLang="ja-JP" sz="2000" dirty="0">
+                <a:latin typeface="游明朝 Light" panose="02020300000000000000" pitchFamily="18" charset="-128"/>
+                <a:ea typeface="游明朝 Light" panose="02020300000000000000" pitchFamily="18" charset="-128"/>
+              </a:rPr>
+              <a:t>VisualStudio2017</a:t>
+            </a:r>
+            <a:br>
+              <a:rPr lang="en-US" altLang="ja-JP" sz="2000" dirty="0">
+                <a:latin typeface="游明朝 Light" panose="02020300000000000000" pitchFamily="18" charset="-128"/>
+                <a:ea typeface="游明朝 Light" panose="02020300000000000000" pitchFamily="18" charset="-128"/>
+              </a:rPr>
+            </a:br>
+            <a:r>
+              <a:rPr lang="ja-JP" altLang="en-US" sz="2000" dirty="0">
+                <a:latin typeface="游明朝 Light" panose="02020300000000000000" pitchFamily="18" charset="-128"/>
+                <a:ea typeface="游明朝 Light" panose="02020300000000000000" pitchFamily="18" charset="-128"/>
+              </a:rPr>
+              <a:t>　</a:t>
+            </a:r>
+            <a:r>
+              <a:rPr lang="en-US" altLang="ja-JP" sz="2000" dirty="0">
+                <a:latin typeface="游明朝 Light" panose="02020300000000000000" pitchFamily="18" charset="-128"/>
+                <a:ea typeface="游明朝 Light" panose="02020300000000000000" pitchFamily="18" charset="-128"/>
+              </a:rPr>
+              <a:t>-&gt; OpenCV</a:t>
+            </a:r>
+          </a:p>
+          <a:p>
+            <a:pPr marL="0" indent="0">
+              <a:buNone/>
+            </a:pPr>
+            <a:r>
+              <a:rPr lang="ja-JP" altLang="en-US" b="1" dirty="0">
+                <a:latin typeface="游明朝 Light" panose="02020300000000000000" pitchFamily="18" charset="-128"/>
+                <a:ea typeface="游明朝 Light" panose="02020300000000000000" pitchFamily="18" charset="-128"/>
+              </a:rPr>
+              <a:t>使用言語</a:t>
+            </a:r>
+            <a:endParaRPr lang="en-US" altLang="ja-JP" b="1" dirty="0">
+              <a:latin typeface="游明朝 Light" panose="02020300000000000000" pitchFamily="18" charset="-128"/>
+              <a:ea typeface="游明朝 Light" panose="02020300000000000000" pitchFamily="18" charset="-128"/>
+            </a:endParaRPr>
+          </a:p>
+          <a:p>
+            <a:pPr marL="0" indent="0">
+              <a:buNone/>
+            </a:pPr>
+            <a:r>
+              <a:rPr lang="ja-JP" altLang="en-US" sz="2000" dirty="0">
+                <a:latin typeface="游明朝 Light" panose="02020300000000000000" pitchFamily="18" charset="-128"/>
+                <a:ea typeface="游明朝 Light" panose="02020300000000000000" pitchFamily="18" charset="-128"/>
+              </a:rPr>
+              <a:t>・</a:t>
+            </a:r>
+            <a:r>
+              <a:rPr lang="en-US" altLang="ja-JP" sz="2000" dirty="0">
+                <a:latin typeface="游明朝 Light" panose="02020300000000000000" pitchFamily="18" charset="-128"/>
+                <a:ea typeface="游明朝 Light" panose="02020300000000000000" pitchFamily="18" charset="-128"/>
+              </a:rPr>
+              <a:t>C++,C#,</a:t>
+            </a:r>
+            <a:r>
+              <a:rPr lang="en-US" altLang="ja-JP" sz="2000" dirty="0" err="1">
+                <a:latin typeface="游明朝 Light" panose="02020300000000000000" pitchFamily="18" charset="-128"/>
+                <a:ea typeface="游明朝 Light" panose="02020300000000000000" pitchFamily="18" charset="-128"/>
+              </a:rPr>
+              <a:t>JavaScript,Python</a:t>
+            </a:r>
+            <a:endParaRPr lang="en-US" altLang="ja-JP" sz="2000" dirty="0">
+              <a:latin typeface="游明朝 Light" panose="02020300000000000000" pitchFamily="18" charset="-128"/>
+              <a:ea typeface="游明朝 Light" panose="02020300000000000000" pitchFamily="18" charset="-128"/>
+            </a:endParaRPr>
+          </a:p>
+        </p:txBody>
+      </p:sp>
+      <p:sp>
+        <p:nvSpPr>
+          <p:cNvPr id="5" name="テキスト ボックス 4">
+            <a:extLst>
+              <a:ext uri="{FF2B5EF4-FFF2-40B4-BE49-F238E27FC236}">
+                <a16:creationId xmlns:a16="http://schemas.microsoft.com/office/drawing/2014/main" id="{16A7BA1C-B03A-4CF7-A24B-05A720872DEF}"/>
+              </a:ext>
+            </a:extLst>
+          </p:cNvPr>
+          <p:cNvSpPr txBox="1"/>
+          <p:nvPr/>
+        </p:nvSpPr>
+        <p:spPr>
+          <a:xfrm>
+            <a:off x="5977467" y="1825625"/>
+            <a:ext cx="6139305" cy="4739759"/>
+          </a:xfrm>
+          <a:prstGeom prst="rect">
+            <a:avLst/>
+          </a:prstGeom>
+          <a:noFill/>
+        </p:spPr>
+        <p:txBody>
+          <a:bodyPr wrap="square" rtlCol="0">
+            <a:spAutoFit/>
+          </a:bodyPr>
+          <a:lstStyle/>
+          <a:p>
+            <a:r>
+              <a:rPr kumimoji="1" lang="ja-JP" altLang="en-US" sz="2800" b="1" dirty="0">
+                <a:ea typeface="游明朝 Light" panose="02020300000000000000" pitchFamily="18" charset="-128"/>
+              </a:rPr>
+              <a:t>機材</a:t>
+            </a:r>
+            <a:br>
+              <a:rPr kumimoji="1" lang="en-US" altLang="ja-JP" sz="2800" b="1" dirty="0">
+                <a:ea typeface="游明朝 Light" panose="02020300000000000000" pitchFamily="18" charset="-128"/>
+              </a:rPr>
+            </a:br>
+            <a:r>
+              <a:rPr kumimoji="1" lang="ja-JP" altLang="en-US" sz="2000" dirty="0">
+                <a:ea typeface="游明朝 Light" panose="02020300000000000000" pitchFamily="18" charset="-128"/>
+              </a:rPr>
+              <a:t>・超短焦点プロジェクター </a:t>
+            </a:r>
+            <a:r>
+              <a:rPr kumimoji="1" lang="en-US" altLang="ja-JP" sz="2000" dirty="0">
+                <a:ea typeface="游明朝 Light" panose="02020300000000000000" pitchFamily="18" charset="-128"/>
+              </a:rPr>
+              <a:t> </a:t>
+            </a:r>
+            <a:r>
+              <a:rPr kumimoji="1" lang="en-US" altLang="ja-JP" sz="2000" dirty="0">
+                <a:latin typeface="Century" panose="02040604050505020304" pitchFamily="18" charset="0"/>
+                <a:ea typeface="游明朝 Light" panose="02020300000000000000" pitchFamily="18" charset="-128"/>
+              </a:rPr>
+              <a:t>RICOH</a:t>
+            </a:r>
+            <a:br>
+              <a:rPr kumimoji="1" lang="en-US" altLang="ja-JP" sz="2000" dirty="0">
+                <a:latin typeface="游明朝 Light" panose="02020300000000000000" pitchFamily="18" charset="-128"/>
+                <a:ea typeface="游明朝 Light" panose="02020300000000000000" pitchFamily="18" charset="-128"/>
+              </a:rPr>
+            </a:br>
+            <a:r>
+              <a:rPr kumimoji="1" lang="ja-JP" altLang="en-US" sz="2000" dirty="0">
+                <a:latin typeface="游明朝 Light" panose="02020300000000000000" pitchFamily="18" charset="-128"/>
+                <a:ea typeface="游明朝 Light" panose="02020300000000000000" pitchFamily="18" charset="-128"/>
+              </a:rPr>
+              <a:t>・感圧センサー</a:t>
+            </a:r>
+            <a:endParaRPr kumimoji="1" lang="en-US" altLang="ja-JP" sz="2000" dirty="0">
+              <a:latin typeface="游明朝 Light" panose="02020300000000000000" pitchFamily="18" charset="-128"/>
+              <a:ea typeface="游明朝 Light" panose="02020300000000000000" pitchFamily="18" charset="-128"/>
+            </a:endParaRPr>
+          </a:p>
+          <a:p>
+            <a:r>
+              <a:rPr kumimoji="1" lang="ja-JP" altLang="en-US" sz="2000" dirty="0">
+                <a:latin typeface="游明朝 Light" panose="02020300000000000000" pitchFamily="18" charset="-128"/>
+                <a:ea typeface="游明朝 Light" panose="02020300000000000000" pitchFamily="18" charset="-128"/>
+              </a:rPr>
+              <a:t>・</a:t>
+            </a:r>
+            <a:r>
+              <a:rPr kumimoji="1" lang="en-US" altLang="ja-JP" sz="2000" dirty="0">
+                <a:latin typeface="游明朝 Light" panose="02020300000000000000" pitchFamily="18" charset="-128"/>
+                <a:ea typeface="游明朝 Light" panose="02020300000000000000" pitchFamily="18" charset="-128"/>
+              </a:rPr>
+              <a:t>Raspberry Pi</a:t>
+            </a:r>
+          </a:p>
+          <a:p>
+            <a:r>
+              <a:rPr kumimoji="1" lang="ja-JP" altLang="en-US" sz="2000" dirty="0">
+                <a:latin typeface="游明朝 Light" panose="02020300000000000000" pitchFamily="18" charset="-128"/>
+                <a:ea typeface="游明朝 Light" panose="02020300000000000000" pitchFamily="18" charset="-128"/>
+              </a:rPr>
+              <a:t>・スピーカー</a:t>
+            </a:r>
+            <a:endParaRPr kumimoji="1" lang="en-US" altLang="ja-JP" sz="2000" dirty="0">
+              <a:latin typeface="游明朝 Light" panose="02020300000000000000" pitchFamily="18" charset="-128"/>
+              <a:ea typeface="游明朝 Light" panose="02020300000000000000" pitchFamily="18" charset="-128"/>
+            </a:endParaRPr>
+          </a:p>
+          <a:p>
+            <a:r>
+              <a:rPr kumimoji="1" lang="ja-JP" altLang="en-US" sz="2000" dirty="0">
+                <a:latin typeface="游明朝 Light" panose="02020300000000000000" pitchFamily="18" charset="-128"/>
+                <a:ea typeface="游明朝 Light" panose="02020300000000000000" pitchFamily="18" charset="-128"/>
+              </a:rPr>
+              <a:t>・デスクトップ</a:t>
+            </a:r>
+            <a:r>
+              <a:rPr kumimoji="1" lang="en-US" altLang="ja-JP" sz="2000" dirty="0">
+                <a:latin typeface="Century" panose="02040604050505020304" pitchFamily="18" charset="0"/>
+                <a:ea typeface="游明朝 Light" panose="02020300000000000000" pitchFamily="18" charset="-128"/>
+              </a:rPr>
+              <a:t>PC</a:t>
+            </a:r>
+            <a:r>
+              <a:rPr kumimoji="1" lang="ja-JP" altLang="en-US" sz="2000" dirty="0">
+                <a:latin typeface="Century" panose="02040604050505020304" pitchFamily="18" charset="0"/>
+                <a:ea typeface="游明朝 Light" panose="02020300000000000000" pitchFamily="18" charset="-128"/>
+              </a:rPr>
+              <a:t>（制御用）</a:t>
+            </a:r>
+            <a:endParaRPr kumimoji="1" lang="en-US" altLang="ja-JP" sz="2000" dirty="0">
+              <a:latin typeface="Century" panose="02040604050505020304" pitchFamily="18" charset="0"/>
+              <a:ea typeface="游明朝 Light" panose="02020300000000000000" pitchFamily="18" charset="-128"/>
+            </a:endParaRPr>
+          </a:p>
+          <a:p>
+            <a:r>
+              <a:rPr kumimoji="1" lang="ja-JP" altLang="en-US" sz="2000" dirty="0">
+                <a:latin typeface="游明朝 Light" panose="02020300000000000000" pitchFamily="18" charset="-128"/>
+                <a:ea typeface="游明朝 Light" panose="02020300000000000000" pitchFamily="18" charset="-128"/>
+              </a:rPr>
+              <a:t>・ウェブカメラ（感知用）</a:t>
+            </a:r>
+            <a:br>
+              <a:rPr kumimoji="1" lang="en-US" altLang="ja-JP" sz="2000" dirty="0">
+                <a:latin typeface="游明朝 Light" panose="02020300000000000000" pitchFamily="18" charset="-128"/>
+                <a:ea typeface="游明朝 Light" panose="02020300000000000000" pitchFamily="18" charset="-128"/>
+              </a:rPr>
+            </a:br>
+            <a:r>
+              <a:rPr kumimoji="1" lang="ja-JP" altLang="en-US" sz="2000" dirty="0">
+                <a:latin typeface="游明朝 Light" panose="02020300000000000000" pitchFamily="18" charset="-128"/>
+                <a:ea typeface="游明朝 Light" panose="02020300000000000000" pitchFamily="18" charset="-128"/>
+              </a:rPr>
+              <a:t>・ポリッドスクリーン</a:t>
+            </a:r>
+            <a:br>
+              <a:rPr kumimoji="1" lang="en-US" altLang="ja-JP" sz="2000" dirty="0">
+                <a:latin typeface="游明朝 Light" panose="02020300000000000000" pitchFamily="18" charset="-128"/>
+                <a:ea typeface="游明朝 Light" panose="02020300000000000000" pitchFamily="18" charset="-128"/>
+              </a:rPr>
+            </a:br>
+            <a:r>
+              <a:rPr kumimoji="1" lang="en-US" altLang="ja-JP" sz="2000" dirty="0">
+                <a:latin typeface="游明朝 Light" panose="02020300000000000000" pitchFamily="18" charset="-128"/>
+                <a:ea typeface="游明朝 Light" panose="02020300000000000000" pitchFamily="18" charset="-128"/>
+              </a:rPr>
+              <a:t> </a:t>
+            </a:r>
+            <a:endParaRPr lang="en-US" altLang="ja-JP" dirty="0"/>
+          </a:p>
+          <a:p>
+            <a:r>
+              <a:rPr lang="ja-JP" altLang="en-US" sz="2400" b="1" dirty="0">
+                <a:latin typeface="游明朝 Light" panose="02020300000000000000" pitchFamily="18" charset="-128"/>
+                <a:ea typeface="游明朝 Light" panose="02020300000000000000" pitchFamily="18" charset="-128"/>
+              </a:rPr>
+              <a:t>その他</a:t>
+            </a:r>
+            <a:endParaRPr lang="en-US" altLang="ja-JP" sz="2400" b="1" dirty="0">
+              <a:latin typeface="游明朝 Light" panose="02020300000000000000" pitchFamily="18" charset="-128"/>
+              <a:ea typeface="游明朝 Light" panose="02020300000000000000" pitchFamily="18" charset="-128"/>
+            </a:endParaRPr>
+          </a:p>
+          <a:p>
+            <a:r>
+              <a:rPr lang="ja-JP" altLang="en-US" sz="2400" dirty="0">
+                <a:latin typeface="游明朝 Light" panose="02020300000000000000" pitchFamily="18" charset="-128"/>
+                <a:ea typeface="游明朝 Light" panose="02020300000000000000" pitchFamily="18" charset="-128"/>
+              </a:rPr>
+              <a:t>・</a:t>
+            </a:r>
+            <a:r>
+              <a:rPr lang="en-US" altLang="ja-JP" sz="2400" dirty="0" err="1">
+                <a:latin typeface="游明朝 Light" panose="02020300000000000000" pitchFamily="18" charset="-128"/>
+                <a:ea typeface="游明朝 Light" panose="02020300000000000000" pitchFamily="18" charset="-128"/>
+              </a:rPr>
               <a:t>OpenSound</a:t>
             </a:r>
             <a:r>
-              <a:rPr lang="en-US" altLang="ja-JP" dirty="0"/>
+              <a:rPr lang="en-US" altLang="ja-JP" sz="2400" dirty="0">
+                <a:latin typeface="游明朝 Light" panose="02020300000000000000" pitchFamily="18" charset="-128"/>
+                <a:ea typeface="游明朝 Light" panose="02020300000000000000" pitchFamily="18" charset="-128"/>
+              </a:rPr>
               <a:t> Control(OSC)</a:t>
             </a:r>
           </a:p>
           <a:p>
             <a:r>
-              <a:rPr lang="en-US" altLang="ja-JP" dirty="0"/>
+              <a:rPr lang="ja-JP" altLang="en-US" sz="2400" dirty="0">
+                <a:latin typeface="游明朝 Light" panose="02020300000000000000" pitchFamily="18" charset="-128"/>
+                <a:ea typeface="游明朝 Light" panose="02020300000000000000" pitchFamily="18" charset="-128"/>
+              </a:rPr>
+              <a:t>・</a:t>
+            </a:r>
+            <a:r>
+              <a:rPr lang="en-US" altLang="ja-JP" sz="2400" dirty="0">
+                <a:latin typeface="游明朝 Light" panose="02020300000000000000" pitchFamily="18" charset="-128"/>
+                <a:ea typeface="游明朝 Light" panose="02020300000000000000" pitchFamily="18" charset="-128"/>
+              </a:rPr>
               <a:t>RICOH Simple Multi Projection</a:t>
             </a:r>
-          </a:p>
-          <a:p>
-            <a:r>
-              <a:rPr lang="ja-JP" altLang="en-US" dirty="0"/>
-              <a:t>感圧センサ</a:t>
-            </a:r>
-          </a:p>
-          <a:p>
-            <a:r>
-              <a:rPr lang="en-US" altLang="ja-JP" dirty="0"/>
+            <a:endParaRPr lang="ja-JP" altLang="en-US" sz="2400" dirty="0">
+              <a:latin typeface="游明朝 Light" panose="02020300000000000000" pitchFamily="18" charset="-128"/>
+              <a:ea typeface="游明朝 Light" panose="02020300000000000000" pitchFamily="18" charset="-128"/>
+            </a:endParaRPr>
+          </a:p>
+          <a:p>
+            <a:r>
+              <a:rPr lang="ja-JP" altLang="en-US" sz="2400" dirty="0">
+                <a:latin typeface="游明朝 Light" panose="02020300000000000000" pitchFamily="18" charset="-128"/>
+                <a:ea typeface="游明朝 Light" panose="02020300000000000000" pitchFamily="18" charset="-128"/>
+              </a:rPr>
+              <a:t>・</a:t>
+            </a:r>
+            <a:r>
+              <a:rPr lang="en-US" altLang="ja-JP" sz="2400" dirty="0">
+                <a:latin typeface="游明朝 Light" panose="02020300000000000000" pitchFamily="18" charset="-128"/>
+                <a:ea typeface="游明朝 Light" panose="02020300000000000000" pitchFamily="18" charset="-128"/>
+              </a:rPr>
               <a:t>Twitter API</a:t>
             </a:r>
           </a:p>
           <a:p>
-            <a:endParaRPr kumimoji="1" lang="ja-JP" altLang="en-US" dirty="0"/>
+            <a:endParaRPr lang="en-US" altLang="ja-JP" dirty="0">
+              <a:latin typeface="游明朝 Light" panose="02020300000000000000" pitchFamily="18" charset="-128"/>
+              <a:ea typeface="游明朝 Light" panose="02020300000000000000" pitchFamily="18" charset="-128"/>
+            </a:endParaRPr>
           </a:p>
         </p:txBody>
       </p:sp>
